--- a/1_predstavitev_metode.pptx
+++ b/1_predstavitev_metode.pptx
@@ -10,6 +10,7 @@
     <p:sldId id="258" r:id="rId4"/>
     <p:sldId id="259" r:id="rId5"/>
     <p:sldId id="260" r:id="rId6"/>
+    <p:sldId id="261" r:id="rId7"/>
   </p:sldIdLst>
   <p:sldSz cx="12192000" cy="6858000"/>
   <p:notesSz cx="6858000" cy="9144000"/>
@@ -108,6 +109,11 @@
       </a:defRPr>
     </a:lvl9pPr>
   </p:defaultTextStyle>
+  <p:extLst>
+    <p:ext uri="{EFAFB233-063F-42B5-8137-9DF3F51BA10A}">
+      <p15:sldGuideLst xmlns:p15="http://schemas.microsoft.com/office/powerpoint/2012/main"/>
+    </p:ext>
+  </p:extLst>
 </p:presentation>
 </file>
 
@@ -2551,12 +2557,34 @@
           </a:r>
           <a:r>
             <a:rPr lang="hr-HR" dirty="0"/>
-            <a:t> „</a:t>
+            <a:t> </a:t>
           </a:r>
           <a:r>
-            <a:rPr lang="en-US" dirty="0"/>
-            <a:t>SOTA”: </a:t>
+            <a:rPr lang="hr-HR" dirty="0" err="1"/>
+            <a:t>state</a:t>
           </a:r>
+          <a:r>
+            <a:rPr lang="hr-HR" dirty="0"/>
+            <a:t>-</a:t>
+          </a:r>
+          <a:r>
+            <a:rPr lang="hr-HR" dirty="0" err="1"/>
+            <a:t>of</a:t>
+          </a:r>
+          <a:r>
+            <a:rPr lang="hr-HR" dirty="0"/>
+            <a:t>-</a:t>
+          </a:r>
+          <a:r>
+            <a:rPr lang="hr-HR" dirty="0" err="1"/>
+            <a:t>the</a:t>
+          </a:r>
+          <a:r>
+            <a:rPr lang="hr-HR" dirty="0"/>
+            <a:t>-art:</a:t>
+          </a:r>
+        </a:p>
+        <a:p>
           <a:r>
             <a:rPr lang="en-US" dirty="0" err="1"/>
             <a:t>Poravnava</a:t>
@@ -3266,9 +3294,42 @@
         <a:lstStyle/>
         <a:p>
           <a:r>
-            <a:rPr lang="en-US"/>
-            <a:t>Boljša mera podobnosti multimodalne poravnave</a:t>
+            <a:rPr lang="en-US" dirty="0" err="1"/>
+            <a:t>Boljša</a:t>
           </a:r>
+          <a:r>
+            <a:rPr lang="en-US" dirty="0"/>
+            <a:t> </a:t>
+          </a:r>
+          <a:r>
+            <a:rPr lang="en-US" dirty="0" err="1"/>
+            <a:t>mera</a:t>
+          </a:r>
+          <a:r>
+            <a:rPr lang="en-US" dirty="0"/>
+            <a:t> </a:t>
+          </a:r>
+          <a:r>
+            <a:rPr lang="en-US" dirty="0" err="1"/>
+            <a:t>podobnosti</a:t>
+          </a:r>
+          <a:r>
+            <a:rPr lang="en-US" dirty="0"/>
+            <a:t> </a:t>
+          </a:r>
+          <a:r>
+            <a:rPr lang="en-US" dirty="0" err="1"/>
+            <a:t>multimodalne</a:t>
+          </a:r>
+          <a:r>
+            <a:rPr lang="en-US" dirty="0"/>
+            <a:t> </a:t>
+          </a:r>
+          <a:r>
+            <a:rPr lang="en-US" dirty="0" err="1"/>
+            <a:t>poravnave</a:t>
+          </a:r>
+          <a:endParaRPr lang="en-US" dirty="0"/>
         </a:p>
       </dgm:t>
     </dgm:pt>
@@ -3302,8 +3363,44 @@
         <a:lstStyle/>
         <a:p>
           <a:r>
-            <a:rPr lang="en-US"/>
-            <a:t>Razširitev učenja in izgube podobnosti s segmentacijami </a:t>
+            <a:rPr lang="en-US" dirty="0" err="1"/>
+            <a:t>Razširitev</a:t>
+          </a:r>
+          <a:r>
+            <a:rPr lang="en-US" dirty="0"/>
+            <a:t> </a:t>
+          </a:r>
+          <a:r>
+            <a:rPr lang="en-US" dirty="0" err="1"/>
+            <a:t>učenja</a:t>
+          </a:r>
+          <a:r>
+            <a:rPr lang="en-US" dirty="0"/>
+            <a:t> in </a:t>
+          </a:r>
+          <a:r>
+            <a:rPr lang="en-US" dirty="0" err="1"/>
+            <a:t>izgube</a:t>
+          </a:r>
+          <a:r>
+            <a:rPr lang="en-US" dirty="0"/>
+            <a:t> </a:t>
+          </a:r>
+          <a:r>
+            <a:rPr lang="en-US" dirty="0" err="1"/>
+            <a:t>podobnosti</a:t>
+          </a:r>
+          <a:r>
+            <a:rPr lang="en-US" dirty="0"/>
+            <a:t> s </a:t>
+          </a:r>
+          <a:r>
+            <a:rPr lang="en-US" dirty="0" err="1"/>
+            <a:t>segmentacijami</a:t>
+          </a:r>
+          <a:r>
+            <a:rPr lang="en-US" dirty="0"/>
+            <a:t> </a:t>
           </a:r>
         </a:p>
       </dgm:t>
@@ -3623,12 +3720,12 @@
         <a:fontRef idx="minor"/>
       </dsp:style>
       <dsp:txBody>
-        <a:bodyPr spcFirstLastPara="0" vert="horz" wrap="square" lIns="60960" tIns="60960" rIns="60960" bIns="60960" numCol="1" spcCol="1270" anchor="ctr" anchorCtr="0">
+        <a:bodyPr spcFirstLastPara="0" vert="horz" wrap="square" lIns="53340" tIns="53340" rIns="53340" bIns="53340" numCol="1" spcCol="1270" anchor="ctr" anchorCtr="0">
           <a:noAutofit/>
         </a:bodyPr>
         <a:lstStyle/>
         <a:p>
-          <a:pPr marL="0" lvl="0" indent="0" algn="ctr" defTabSz="711200">
+          <a:pPr marL="0" lvl="0" indent="0" algn="ctr" defTabSz="622300">
             <a:lnSpc>
               <a:spcPct val="90000"/>
             </a:lnSpc>
@@ -3641,71 +3738,105 @@
             <a:buNone/>
           </a:pPr>
           <a:r>
-            <a:rPr lang="hr-HR" sz="1600" kern="1200" dirty="0" err="1"/>
+            <a:rPr lang="hr-HR" sz="1400" kern="1200" dirty="0" err="1"/>
             <a:t>Trenuten</a:t>
           </a:r>
           <a:r>
-            <a:rPr lang="hr-HR" sz="1600" kern="1200" dirty="0"/>
-            <a:t> „</a:t>
+            <a:rPr lang="hr-HR" sz="1400" kern="1200" dirty="0"/>
+            <a:t> </a:t>
           </a:r>
           <a:r>
-            <a:rPr lang="en-US" sz="1600" kern="1200" dirty="0"/>
-            <a:t>SOTA”: </a:t>
+            <a:rPr lang="hr-HR" sz="1400" kern="1200" dirty="0" err="1"/>
+            <a:t>state</a:t>
           </a:r>
           <a:r>
-            <a:rPr lang="en-US" sz="1600" kern="1200" dirty="0" err="1"/>
+            <a:rPr lang="hr-HR" sz="1400" kern="1200" dirty="0"/>
+            <a:t>-</a:t>
+          </a:r>
+          <a:r>
+            <a:rPr lang="hr-HR" sz="1400" kern="1200" dirty="0" err="1"/>
+            <a:t>of</a:t>
+          </a:r>
+          <a:r>
+            <a:rPr lang="hr-HR" sz="1400" kern="1200" dirty="0"/>
+            <a:t>-</a:t>
+          </a:r>
+          <a:r>
+            <a:rPr lang="hr-HR" sz="1400" kern="1200" dirty="0" err="1"/>
+            <a:t>the</a:t>
+          </a:r>
+          <a:r>
+            <a:rPr lang="hr-HR" sz="1400" kern="1200" dirty="0"/>
+            <a:t>-art:</a:t>
+          </a:r>
+        </a:p>
+        <a:p>
+          <a:pPr marL="0" lvl="0" indent="0" algn="ctr" defTabSz="622300">
+            <a:lnSpc>
+              <a:spcPct val="90000"/>
+            </a:lnSpc>
+            <a:spcBef>
+              <a:spcPct val="0"/>
+            </a:spcBef>
+            <a:spcAft>
+              <a:spcPct val="35000"/>
+            </a:spcAft>
+            <a:buNone/>
+          </a:pPr>
+          <a:r>
+            <a:rPr lang="en-US" sz="1400" kern="1200" dirty="0" err="1"/>
             <a:t>Poravnava</a:t>
           </a:r>
           <a:r>
-            <a:rPr lang="en-US" sz="1600" kern="1200" dirty="0"/>
+            <a:rPr lang="en-US" sz="1400" kern="1200" dirty="0"/>
             <a:t> </a:t>
           </a:r>
           <a:r>
-            <a:rPr lang="en-US" sz="1600" kern="1200" dirty="0" err="1"/>
+            <a:rPr lang="en-US" sz="1400" kern="1200" dirty="0" err="1"/>
             <a:t>medicinskih</a:t>
           </a:r>
           <a:r>
-            <a:rPr lang="en-US" sz="1600" kern="1200" dirty="0"/>
+            <a:rPr lang="en-US" sz="1400" kern="1200" dirty="0"/>
             <a:t> </a:t>
           </a:r>
           <a:r>
-            <a:rPr lang="en-US" sz="1600" kern="1200" dirty="0" err="1"/>
+            <a:rPr lang="en-US" sz="1400" kern="1200" dirty="0" err="1"/>
             <a:t>slik</a:t>
           </a:r>
           <a:r>
-            <a:rPr lang="en-US" sz="1600" kern="1200" dirty="0"/>
+            <a:rPr lang="en-US" sz="1400" kern="1200" dirty="0"/>
             <a:t> </a:t>
           </a:r>
           <a:r>
-            <a:rPr lang="en-US" sz="1600" kern="1200" dirty="0" err="1"/>
+            <a:rPr lang="en-US" sz="1400" kern="1200" dirty="0" err="1"/>
             <a:t>na</a:t>
           </a:r>
           <a:r>
-            <a:rPr lang="en-US" sz="1600" kern="1200" dirty="0"/>
+            <a:rPr lang="en-US" sz="1400" kern="1200" dirty="0"/>
             <a:t> </a:t>
           </a:r>
           <a:r>
-            <a:rPr lang="en-US" sz="1600" kern="1200" dirty="0" err="1"/>
+            <a:rPr lang="en-US" sz="1400" kern="1200" dirty="0" err="1"/>
             <a:t>osnovi</a:t>
           </a:r>
           <a:r>
-            <a:rPr lang="en-US" sz="1600" kern="1200" dirty="0"/>
+            <a:rPr lang="en-US" sz="1400" kern="1200" dirty="0"/>
             <a:t> (</a:t>
           </a:r>
           <a:r>
-            <a:rPr lang="en-US" sz="1600" kern="1200" dirty="0" err="1"/>
+            <a:rPr lang="en-US" sz="1400" kern="1200" dirty="0" err="1"/>
             <a:t>globokega</a:t>
           </a:r>
           <a:r>
-            <a:rPr lang="en-US" sz="1600" kern="1200" dirty="0"/>
+            <a:rPr lang="en-US" sz="1400" kern="1200" dirty="0"/>
             <a:t>) </a:t>
           </a:r>
           <a:r>
-            <a:rPr lang="en-US" sz="1600" kern="1200" dirty="0" err="1"/>
+            <a:rPr lang="en-US" sz="1400" kern="1200" dirty="0" err="1"/>
             <a:t>učenja</a:t>
           </a:r>
           <a:r>
-            <a:rPr lang="en-US" sz="1600" kern="1200" dirty="0"/>
+            <a:rPr lang="en-US" sz="1400" kern="1200" dirty="0"/>
             <a:t> (LBR)</a:t>
           </a:r>
         </a:p>
@@ -3845,12 +3976,12 @@
         <a:fontRef idx="minor"/>
       </dsp:style>
       <dsp:txBody>
-        <a:bodyPr spcFirstLastPara="0" vert="horz" wrap="square" lIns="60960" tIns="60960" rIns="60960" bIns="60960" numCol="1" spcCol="1270" anchor="ctr" anchorCtr="0">
+        <a:bodyPr spcFirstLastPara="0" vert="horz" wrap="square" lIns="53340" tIns="53340" rIns="53340" bIns="53340" numCol="1" spcCol="1270" anchor="ctr" anchorCtr="0">
           <a:noAutofit/>
         </a:bodyPr>
         <a:lstStyle/>
         <a:p>
-          <a:pPr marL="0" lvl="0" indent="0" algn="ctr" defTabSz="711200">
+          <a:pPr marL="0" lvl="0" indent="0" algn="ctr" defTabSz="622300">
             <a:lnSpc>
               <a:spcPct val="90000"/>
             </a:lnSpc>
@@ -3863,7 +3994,7 @@
             <a:buNone/>
           </a:pPr>
           <a:r>
-            <a:rPr lang="en-US" sz="1600" kern="1200"/>
+            <a:rPr lang="en-US" sz="1400" kern="1200"/>
             <a:t>Dobro deluje za slike ene vrste modalitete.</a:t>
           </a:r>
         </a:p>
@@ -4003,12 +4134,12 @@
         <a:fontRef idx="minor"/>
       </dsp:style>
       <dsp:txBody>
-        <a:bodyPr spcFirstLastPara="0" vert="horz" wrap="square" lIns="60960" tIns="60960" rIns="60960" bIns="60960" numCol="1" spcCol="1270" anchor="ctr" anchorCtr="0">
+        <a:bodyPr spcFirstLastPara="0" vert="horz" wrap="square" lIns="53340" tIns="53340" rIns="53340" bIns="53340" numCol="1" spcCol="1270" anchor="ctr" anchorCtr="0">
           <a:noAutofit/>
         </a:bodyPr>
         <a:lstStyle/>
         <a:p>
-          <a:pPr marL="0" lvl="0" indent="0" algn="ctr" defTabSz="711200">
+          <a:pPr marL="0" lvl="0" indent="0" algn="ctr" defTabSz="622300">
             <a:lnSpc>
               <a:spcPct val="90000"/>
             </a:lnSpc>
@@ -4021,7 +4152,7 @@
             <a:buNone/>
           </a:pPr>
           <a:r>
-            <a:rPr lang="en-US" sz="1600" kern="1200"/>
+            <a:rPr lang="en-US" sz="1400" kern="1200"/>
             <a:t>Trend v medicini: združevanje informacij različnih modalitet</a:t>
           </a:r>
         </a:p>
@@ -4161,12 +4292,12 @@
         <a:fontRef idx="minor"/>
       </dsp:style>
       <dsp:txBody>
-        <a:bodyPr spcFirstLastPara="0" vert="horz" wrap="square" lIns="60960" tIns="60960" rIns="60960" bIns="60960" numCol="1" spcCol="1270" anchor="ctr" anchorCtr="0">
+        <a:bodyPr spcFirstLastPara="0" vert="horz" wrap="square" lIns="53340" tIns="53340" rIns="53340" bIns="53340" numCol="1" spcCol="1270" anchor="ctr" anchorCtr="0">
           <a:noAutofit/>
         </a:bodyPr>
         <a:lstStyle/>
         <a:p>
-          <a:pPr marL="0" lvl="0" indent="0" algn="ctr" defTabSz="711200">
+          <a:pPr marL="0" lvl="0" indent="0" algn="ctr" defTabSz="622300">
             <a:lnSpc>
               <a:spcPct val="90000"/>
             </a:lnSpc>
@@ -4179,26 +4310,26 @@
             <a:buNone/>
           </a:pPr>
           <a:r>
-            <a:rPr lang="en-US" sz="1600" kern="1200" dirty="0" err="1"/>
+            <a:rPr lang="en-US" sz="1400" kern="1200" dirty="0" err="1"/>
             <a:t>Inženirski</a:t>
           </a:r>
           <a:r>
-            <a:rPr lang="en-US" sz="1600" kern="1200" dirty="0"/>
+            <a:rPr lang="en-US" sz="1400" kern="1200" dirty="0"/>
             <a:t> </a:t>
           </a:r>
           <a:r>
-            <a:rPr lang="en-US" sz="1600" kern="1200" dirty="0" err="1"/>
+            <a:rPr lang="en-US" sz="1400" kern="1200" dirty="0" err="1"/>
             <a:t>izziv</a:t>
           </a:r>
           <a:r>
-            <a:rPr lang="en-US" sz="1600" kern="1200" dirty="0"/>
+            <a:rPr lang="en-US" sz="1400" kern="1200" dirty="0"/>
             <a:t>: VEČMODALNA </a:t>
           </a:r>
           <a:r>
-            <a:rPr lang="en-US" sz="1600" kern="1200" dirty="0" err="1"/>
+            <a:rPr lang="en-US" sz="1400" kern="1200" dirty="0" err="1"/>
             <a:t>poravnava</a:t>
           </a:r>
-          <a:endParaRPr lang="en-US" sz="1600" kern="1200" dirty="0"/>
+          <a:endParaRPr lang="en-US" sz="1400" kern="1200" dirty="0"/>
         </a:p>
       </dsp:txBody>
       <dsp:txXfrm>
@@ -4699,8 +4830,8 @@
       </dsp:nvSpPr>
       <dsp:spPr>
         <a:xfrm>
-          <a:off x="0" y="706671"/>
-          <a:ext cx="3073451" cy="1951641"/>
+          <a:off x="0" y="444864"/>
+          <a:ext cx="2682655" cy="1703486"/>
         </a:xfrm>
         <a:prstGeom prst="roundRect">
           <a:avLst>
@@ -4751,8 +4882,8 @@
       </dsp:nvSpPr>
       <dsp:spPr>
         <a:xfrm>
-          <a:off x="341494" y="1031091"/>
-          <a:ext cx="3073451" cy="1951641"/>
+          <a:off x="298072" y="728033"/>
+          <a:ext cx="2682655" cy="1703486"/>
         </a:xfrm>
         <a:prstGeom prst="roundRect">
           <a:avLst>
@@ -4795,12 +4926,12 @@
         <a:fontRef idx="minor"/>
       </dsp:style>
       <dsp:txBody>
-        <a:bodyPr spcFirstLastPara="0" vert="horz" wrap="square" lIns="102870" tIns="102870" rIns="102870" bIns="102870" numCol="1" spcCol="1270" anchor="ctr" anchorCtr="0">
+        <a:bodyPr spcFirstLastPara="0" vert="horz" wrap="square" lIns="87630" tIns="87630" rIns="87630" bIns="87630" numCol="1" spcCol="1270" anchor="ctr" anchorCtr="0">
           <a:noAutofit/>
         </a:bodyPr>
         <a:lstStyle/>
         <a:p>
-          <a:pPr marL="0" lvl="0" indent="0" algn="ctr" defTabSz="1200150">
+          <a:pPr marL="0" lvl="0" indent="0" algn="ctr" defTabSz="1022350">
             <a:lnSpc>
               <a:spcPct val="90000"/>
             </a:lnSpc>
@@ -4813,14 +4944,47 @@
             <a:buNone/>
           </a:pPr>
           <a:r>
-            <a:rPr lang="en-US" sz="2700" kern="1200"/>
-            <a:t>Boljša mera podobnosti multimodalne poravnave</a:t>
+            <a:rPr lang="en-US" sz="2300" kern="1200" dirty="0" err="1"/>
+            <a:t>Boljša</a:t>
           </a:r>
+          <a:r>
+            <a:rPr lang="en-US" sz="2300" kern="1200" dirty="0"/>
+            <a:t> </a:t>
+          </a:r>
+          <a:r>
+            <a:rPr lang="en-US" sz="2300" kern="1200" dirty="0" err="1"/>
+            <a:t>mera</a:t>
+          </a:r>
+          <a:r>
+            <a:rPr lang="en-US" sz="2300" kern="1200" dirty="0"/>
+            <a:t> </a:t>
+          </a:r>
+          <a:r>
+            <a:rPr lang="en-US" sz="2300" kern="1200" dirty="0" err="1"/>
+            <a:t>podobnosti</a:t>
+          </a:r>
+          <a:r>
+            <a:rPr lang="en-US" sz="2300" kern="1200" dirty="0"/>
+            <a:t> </a:t>
+          </a:r>
+          <a:r>
+            <a:rPr lang="en-US" sz="2300" kern="1200" dirty="0" err="1"/>
+            <a:t>multimodalne</a:t>
+          </a:r>
+          <a:r>
+            <a:rPr lang="en-US" sz="2300" kern="1200" dirty="0"/>
+            <a:t> </a:t>
+          </a:r>
+          <a:r>
+            <a:rPr lang="en-US" sz="2300" kern="1200" dirty="0" err="1"/>
+            <a:t>poravnave</a:t>
+          </a:r>
+          <a:endParaRPr lang="en-US" sz="2300" kern="1200" dirty="0"/>
         </a:p>
       </dsp:txBody>
       <dsp:txXfrm>
-        <a:off x="398656" y="1088253"/>
-        <a:ext cx="2959127" cy="1837317"/>
+        <a:off x="347965" y="777926"/>
+        <a:ext cx="2582869" cy="1603700"/>
       </dsp:txXfrm>
     </dsp:sp>
     <dsp:sp modelId="{BB4F09F8-5FBC-9545-889B-C0CE913479D3}">
@@ -4830,8 +4994,8 @@
       </dsp:nvSpPr>
       <dsp:spPr>
         <a:xfrm>
-          <a:off x="3756441" y="706671"/>
-          <a:ext cx="3073451" cy="1951641"/>
+          <a:off x="3278800" y="444864"/>
+          <a:ext cx="2682655" cy="1703486"/>
         </a:xfrm>
         <a:prstGeom prst="roundRect">
           <a:avLst>
@@ -4882,8 +5046,8 @@
       </dsp:nvSpPr>
       <dsp:spPr>
         <a:xfrm>
-          <a:off x="4097935" y="1031091"/>
-          <a:ext cx="3073451" cy="1951641"/>
+          <a:off x="3576873" y="728033"/>
+          <a:ext cx="2682655" cy="1703486"/>
         </a:xfrm>
         <a:prstGeom prst="roundRect">
           <a:avLst>
@@ -4926,12 +5090,12 @@
         <a:fontRef idx="minor"/>
       </dsp:style>
       <dsp:txBody>
-        <a:bodyPr spcFirstLastPara="0" vert="horz" wrap="square" lIns="102870" tIns="102870" rIns="102870" bIns="102870" numCol="1" spcCol="1270" anchor="ctr" anchorCtr="0">
+        <a:bodyPr spcFirstLastPara="0" vert="horz" wrap="square" lIns="87630" tIns="87630" rIns="87630" bIns="87630" numCol="1" spcCol="1270" anchor="ctr" anchorCtr="0">
           <a:noAutofit/>
         </a:bodyPr>
         <a:lstStyle/>
         <a:p>
-          <a:pPr marL="0" lvl="0" indent="0" algn="ctr" defTabSz="1200150">
+          <a:pPr marL="0" lvl="0" indent="0" algn="ctr" defTabSz="1022350">
             <a:lnSpc>
               <a:spcPct val="90000"/>
             </a:lnSpc>
@@ -4944,14 +5108,50 @@
             <a:buNone/>
           </a:pPr>
           <a:r>
-            <a:rPr lang="en-US" sz="2700" kern="1200"/>
-            <a:t>Razširitev učenja in izgube podobnosti s segmentacijami </a:t>
+            <a:rPr lang="en-US" sz="2300" kern="1200" dirty="0" err="1"/>
+            <a:t>Razširitev</a:t>
+          </a:r>
+          <a:r>
+            <a:rPr lang="en-US" sz="2300" kern="1200" dirty="0"/>
+            <a:t> </a:t>
+          </a:r>
+          <a:r>
+            <a:rPr lang="en-US" sz="2300" kern="1200" dirty="0" err="1"/>
+            <a:t>učenja</a:t>
+          </a:r>
+          <a:r>
+            <a:rPr lang="en-US" sz="2300" kern="1200" dirty="0"/>
+            <a:t> in </a:t>
+          </a:r>
+          <a:r>
+            <a:rPr lang="en-US" sz="2300" kern="1200" dirty="0" err="1"/>
+            <a:t>izgube</a:t>
+          </a:r>
+          <a:r>
+            <a:rPr lang="en-US" sz="2300" kern="1200" dirty="0"/>
+            <a:t> </a:t>
+          </a:r>
+          <a:r>
+            <a:rPr lang="en-US" sz="2300" kern="1200" dirty="0" err="1"/>
+            <a:t>podobnosti</a:t>
+          </a:r>
+          <a:r>
+            <a:rPr lang="en-US" sz="2300" kern="1200" dirty="0"/>
+            <a:t> s </a:t>
+          </a:r>
+          <a:r>
+            <a:rPr lang="en-US" sz="2300" kern="1200" dirty="0" err="1"/>
+            <a:t>segmentacijami</a:t>
+          </a:r>
+          <a:r>
+            <a:rPr lang="en-US" sz="2300" kern="1200" dirty="0"/>
+            <a:t> </a:t>
           </a:r>
         </a:p>
       </dsp:txBody>
       <dsp:txXfrm>
-        <a:off x="4155097" y="1088253"/>
-        <a:ext cx="2959127" cy="1837317"/>
+        <a:off x="3626766" y="777926"/>
+        <a:ext cx="2582869" cy="1603700"/>
       </dsp:txXfrm>
     </dsp:sp>
     <dsp:sp modelId="{CC724DEC-E1F4-F74B-86DD-5D1A7ED4BC79}">
@@ -4961,8 +5161,8 @@
       </dsp:nvSpPr>
       <dsp:spPr>
         <a:xfrm>
-          <a:off x="7512882" y="706671"/>
-          <a:ext cx="3073451" cy="1951641"/>
+          <a:off x="6557601" y="444864"/>
+          <a:ext cx="2682655" cy="1703486"/>
         </a:xfrm>
         <a:prstGeom prst="roundRect">
           <a:avLst>
@@ -5013,8 +5213,8 @@
       </dsp:nvSpPr>
       <dsp:spPr>
         <a:xfrm>
-          <a:off x="7854377" y="1031091"/>
-          <a:ext cx="3073451" cy="1951641"/>
+          <a:off x="6855674" y="728033"/>
+          <a:ext cx="2682655" cy="1703486"/>
         </a:xfrm>
         <a:prstGeom prst="roundRect">
           <a:avLst>
@@ -5057,12 +5257,12 @@
         <a:fontRef idx="minor"/>
       </dsp:style>
       <dsp:txBody>
-        <a:bodyPr spcFirstLastPara="0" vert="horz" wrap="square" lIns="102870" tIns="102870" rIns="102870" bIns="102870" numCol="1" spcCol="1270" anchor="ctr" anchorCtr="0">
+        <a:bodyPr spcFirstLastPara="0" vert="horz" wrap="square" lIns="87630" tIns="87630" rIns="87630" bIns="87630" numCol="1" spcCol="1270" anchor="ctr" anchorCtr="0">
           <a:noAutofit/>
         </a:bodyPr>
         <a:lstStyle/>
         <a:p>
-          <a:pPr marL="0" lvl="0" indent="0" algn="ctr" defTabSz="1200150">
+          <a:pPr marL="0" lvl="0" indent="0" algn="ctr" defTabSz="1022350">
             <a:lnSpc>
               <a:spcPct val="90000"/>
             </a:lnSpc>
@@ -5075,14 +5275,14 @@
             <a:buNone/>
           </a:pPr>
           <a:r>
-            <a:rPr lang="en-US" sz="2700" kern="1200"/>
+            <a:rPr lang="en-US" sz="2300" kern="1200"/>
             <a:t>Podobna razširitev alternativne arhitekture GradICON-u.</a:t>
           </a:r>
         </a:p>
       </dsp:txBody>
       <dsp:txXfrm>
-        <a:off x="7911539" y="1088253"/>
-        <a:ext cx="2959127" cy="1837317"/>
+        <a:off x="6905567" y="777926"/>
+        <a:ext cx="2582869" cy="1603700"/>
       </dsp:txXfrm>
     </dsp:sp>
   </dsp:spTree>
@@ -13343,7 +13543,7 @@
           <a:p>
             <a:pPr algn="l"/>
             <a:r>
-              <a:rPr lang="en-RU" sz="4800">
+              <a:rPr lang="en-RU" sz="4800" dirty="0">
                 <a:solidFill>
                   <a:srgbClr val="FFFFFF"/>
                 </a:solidFill>
@@ -13371,29 +13571,51 @@
         </p:nvSpPr>
         <p:spPr>
           <a:xfrm>
-            <a:off x="1350682" y="4870824"/>
-            <a:ext cx="10005951" cy="1458258"/>
+            <a:off x="1350682" y="4328313"/>
+            <a:ext cx="10005951" cy="2419728"/>
           </a:xfrm>
         </p:spPr>
         <p:txBody>
           <a:bodyPr anchor="ctr">
-            <a:normAutofit/>
+            <a:normAutofit fontScale="92500"/>
           </a:bodyPr>
           <a:lstStyle/>
           <a:p>
             <a:pPr algn="l"/>
+            <a:endParaRPr lang="en-GB" i="1" dirty="0"/>
+          </a:p>
+          <a:p>
+            <a:pPr algn="l"/>
             <a:r>
-              <a:rPr lang="en-RU" dirty="0"/>
+              <a:rPr lang="en-GB" i="1" dirty="0" err="1"/>
+              <a:t>multiGradICON</a:t>
+            </a:r>
+            <a:r>
+              <a:rPr lang="en-GB" i="1" dirty="0"/>
+              <a:t>: A Foundation Model for Multimodal Medical Image Registration </a:t>
+            </a:r>
+          </a:p>
+          <a:p>
+            <a:pPr algn="l"/>
+            <a:endParaRPr lang="en-RU" i="1" dirty="0"/>
+          </a:p>
+          <a:p>
+            <a:pPr algn="l"/>
+            <a:endParaRPr lang="en-RU" i="1" dirty="0"/>
+          </a:p>
+          <a:p>
+            <a:pPr algn="l"/>
+            <a:r>
+              <a:rPr lang="en-RU" sz="1800" dirty="0"/>
               <a:t>Avtor:</a:t>
             </a:r>
             <a:br>
-              <a:rPr lang="en-RU" dirty="0"/>
+              <a:rPr lang="en-RU" sz="1800" dirty="0"/>
             </a:br>
             <a:r>
-              <a:rPr lang="en-RU" dirty="0"/>
+              <a:rPr lang="en-RU" sz="1800" dirty="0"/>
               <a:t>Erazem Stonič</a:t>
             </a:r>
-            <a:endParaRPr lang="en-RU"/>
           </a:p>
         </p:txBody>
       </p:sp>
@@ -13487,7 +13709,7 @@
                                         <p:tgtEl>
                                           <p:spTgt spid="3">
                                             <p:txEl>
-                                              <p:pRg st="0" end="0"/>
+                                              <p:pRg st="1" end="1"/>
                                             </p:txEl>
                                           </p:spTgt>
                                         </p:tgtEl>
@@ -13505,7 +13727,53 @@
                                         <p:tgtEl>
                                           <p:spTgt spid="3">
                                             <p:txEl>
-                                              <p:pRg st="0" end="0"/>
+                                              <p:pRg st="1" end="1"/>
+                                            </p:txEl>
+                                          </p:spTgt>
+                                        </p:tgtEl>
+                                      </p:cBhvr>
+                                    </p:animEffect>
+                                  </p:childTnLst>
+                                </p:cTn>
+                              </p:par>
+                              <p:par>
+                                <p:cTn id="11" presetID="10" presetClass="entr" presetSubtype="0" fill="hold" grpId="0" nodeType="withEffect">
+                                  <p:stCondLst>
+                                    <p:cond delay="1000"/>
+                                  </p:stCondLst>
+                                  <p:iterate>
+                                    <p:tmPct val="10000"/>
+                                  </p:iterate>
+                                  <p:childTnLst>
+                                    <p:set>
+                                      <p:cBhvr>
+                                        <p:cTn id="12" dur="1" fill="hold">
+                                          <p:stCondLst>
+                                            <p:cond delay="0"/>
+                                          </p:stCondLst>
+                                        </p:cTn>
+                                        <p:tgtEl>
+                                          <p:spTgt spid="3">
+                                            <p:txEl>
+                                              <p:pRg st="4" end="4"/>
+                                            </p:txEl>
+                                          </p:spTgt>
+                                        </p:tgtEl>
+                                        <p:attrNameLst>
+                                          <p:attrName>style.visibility</p:attrName>
+                                        </p:attrNameLst>
+                                      </p:cBhvr>
+                                      <p:to>
+                                        <p:strVal val="visible"/>
+                                      </p:to>
+                                    </p:set>
+                                    <p:animEffect transition="in" filter="fade">
+                                      <p:cBhvr>
+                                        <p:cTn id="13" dur="700"/>
+                                        <p:tgtEl>
+                                          <p:spTgt spid="3">
+                                            <p:txEl>
+                                              <p:pRg st="4" end="4"/>
                                             </p:txEl>
                                           </p:spTgt>
                                         </p:tgtEl>
@@ -13664,7 +13932,7 @@
             <p:ph idx="1"/>
             <p:extLst>
               <p:ext uri="{D42A27DB-BD31-4B8C-83A1-F6EECF244321}">
-                <p14:modId xmlns:p14="http://schemas.microsoft.com/office/powerpoint/2010/main" val="770989025"/>
+                <p14:modId xmlns:p14="http://schemas.microsoft.com/office/powerpoint/2010/main" val="2898423177"/>
               </p:ext>
             </p:extLst>
           </p:nvPr>
@@ -14375,7 +14643,21 @@
                     <a:effectLst/>
                     <a:latin typeface="Aptos" panose="020B0004020202020204" pitchFamily="34" charset="0"/>
                   </a:rPr>
-                  <a:t>CT-T1w abdomen MRI-ji).</a:t>
+                  <a:t>CT-T1w MRI-ji </a:t>
+                </a:r>
+                <a:r>
+                  <a:rPr lang="en-GB" sz="2000" dirty="0" err="1">
+                    <a:effectLst/>
+                    <a:latin typeface="Aptos" panose="020B0004020202020204" pitchFamily="34" charset="0"/>
+                  </a:rPr>
+                  <a:t>trebuha</a:t>
+                </a:r>
+                <a:r>
+                  <a:rPr lang="en-GB" sz="2000" dirty="0">
+                    <a:effectLst/>
+                    <a:latin typeface="Aptos" panose="020B0004020202020204" pitchFamily="34" charset="0"/>
+                  </a:rPr>
+                  <a:t>).</a:t>
                 </a:r>
               </a:p>
               <a:p>
@@ -15202,14 +15484,14 @@
             <p:ph idx="1"/>
             <p:extLst>
               <p:ext uri="{D42A27DB-BD31-4B8C-83A1-F6EECF244321}">
-                <p14:modId xmlns:p14="http://schemas.microsoft.com/office/powerpoint/2010/main" val="2034132848"/>
+                <p14:modId xmlns:p14="http://schemas.microsoft.com/office/powerpoint/2010/main" val="761631205"/>
               </p:ext>
             </p:extLst>
           </p:nvPr>
         </p:nvGraphicFramePr>
         <p:xfrm>
-          <a:off x="644056" y="2615979"/>
-          <a:ext cx="10927829" cy="3689405"/>
+          <a:off x="1090325" y="1829678"/>
+          <a:ext cx="9538330" cy="2876384"/>
         </p:xfrm>
         <a:graphic>
           <a:graphicData uri="http://schemas.openxmlformats.org/drawingml/2006/diagram">
@@ -15217,10 +15499,749 @@
           </a:graphicData>
         </a:graphic>
       </p:graphicFrame>
+      <p:pic>
+        <p:nvPicPr>
+          <p:cNvPr id="3" name="Picture 2">
+            <a:extLst>
+              <a:ext uri="{FF2B5EF4-FFF2-40B4-BE49-F238E27FC236}">
+                <a16:creationId xmlns:a16="http://schemas.microsoft.com/office/drawing/2014/main" id="{032EF5B6-B8FA-D9D5-E787-2CAFBBB8213D}"/>
+              </a:ext>
+            </a:extLst>
+          </p:cNvPr>
+          <p:cNvPicPr>
+            <a:picLocks noChangeAspect="1"/>
+          </p:cNvPicPr>
+          <p:nvPr/>
+        </p:nvPicPr>
+        <p:blipFill>
+          <a:blip r:embed="rId7"/>
+          <a:stretch>
+            <a:fillRect/>
+          </a:stretch>
+        </p:blipFill>
+        <p:spPr>
+          <a:xfrm>
+            <a:off x="1563345" y="4278241"/>
+            <a:ext cx="8878147" cy="2587455"/>
+          </a:xfrm>
+          <a:prstGeom prst="rect">
+            <a:avLst/>
+          </a:prstGeom>
+        </p:spPr>
+      </p:pic>
     </p:spTree>
     <p:extLst>
       <p:ext uri="{BB962C8B-B14F-4D97-AF65-F5344CB8AC3E}">
         <p14:creationId xmlns:p14="http://schemas.microsoft.com/office/powerpoint/2010/main" val="3126729429"/>
+      </p:ext>
+    </p:extLst>
+  </p:cSld>
+  <p:clrMapOvr>
+    <a:masterClrMapping/>
+  </p:clrMapOvr>
+</p:sld>
+</file>
+
+<file path=ppt/slides/slide6.xml><?xml version="1.0" encoding="utf-8"?>
+<p:sld xmlns:a="http://schemas.openxmlformats.org/drawingml/2006/main" xmlns:r="http://schemas.openxmlformats.org/officeDocument/2006/relationships" xmlns:p="http://schemas.openxmlformats.org/presentationml/2006/main">
+  <p:cSld>
+    <p:bg>
+      <p:bgPr>
+        <a:solidFill>
+          <a:schemeClr val="bg1"/>
+        </a:solidFill>
+        <a:effectLst/>
+      </p:bgPr>
+    </p:bg>
+    <p:spTree>
+      <p:nvGrpSpPr>
+        <p:cNvPr id="1" name=""/>
+        <p:cNvGrpSpPr/>
+        <p:nvPr/>
+      </p:nvGrpSpPr>
+      <p:grpSpPr>
+        <a:xfrm>
+          <a:off x="0" y="0"/>
+          <a:ext cx="0" cy="0"/>
+          <a:chOff x="0" y="0"/>
+          <a:chExt cx="0" cy="0"/>
+        </a:xfrm>
+      </p:grpSpPr>
+      <p:sp useBgFill="1">
+        <p:nvSpPr>
+          <p:cNvPr id="8" name="Rectangle 7">
+            <a:extLst>
+              <a:ext uri="{FF2B5EF4-FFF2-40B4-BE49-F238E27FC236}">
+                <a16:creationId xmlns:a16="http://schemas.microsoft.com/office/drawing/2014/main" id="{1B15ED52-F352-441B-82BF-E0EA34836D08}"/>
+              </a:ext>
+              <a:ext uri="{C183D7F6-B498-43B3-948B-1728B52AA6E4}">
+                <adec:decorative xmlns:adec="http://schemas.microsoft.com/office/drawing/2017/decorative" val="1"/>
+              </a:ext>
+            </a:extLst>
+          </p:cNvPr>
+          <p:cNvSpPr>
+            <a:spLocks noGrp="1" noRot="1" noChangeAspect="1" noMove="1" noResize="1" noEditPoints="1" noAdjustHandles="1" noChangeArrowheads="1" noChangeShapeType="1" noTextEdit="1"/>
+          </p:cNvSpPr>
+          <p:nvPr>
+            <p:extLst>
+              <p:ext uri="{386F3935-93C4-4BCD-93E2-E3B085C9AB24}">
+                <p16:designElem xmlns:p16="http://schemas.microsoft.com/office/powerpoint/2015/main" val="1"/>
+              </p:ext>
+            </p:extLst>
+          </p:nvPr>
+        </p:nvSpPr>
+        <p:spPr>
+          <a:xfrm>
+            <a:off x="0" y="0"/>
+            <a:ext cx="12192000" cy="6858000"/>
+          </a:xfrm>
+          <a:prstGeom prst="rect">
+            <a:avLst/>
+          </a:prstGeom>
+          <a:ln w="12700" cap="flat" cmpd="sng" algn="ctr">
+            <a:noFill/>
+            <a:prstDash val="solid"/>
+            <a:miter lim="800000"/>
+          </a:ln>
+          <a:effectLst/>
+          <a:extLst>
+            <a:ext uri="{91240B29-F687-4F45-9708-019B960494DF}">
+              <a14:hiddenLine xmlns:a14="http://schemas.microsoft.com/office/drawing/2010/main" w="12700" cap="flat" cmpd="sng" algn="ctr">
+                <a:solidFill>
+                  <a:schemeClr val="accent1">
+                    <a:shade val="50000"/>
+                  </a:schemeClr>
+                </a:solidFill>
+                <a:prstDash val="solid"/>
+                <a:miter lim="800000"/>
+              </a14:hiddenLine>
+            </a:ext>
+          </a:extLst>
+        </p:spPr>
+        <p:style>
+          <a:lnRef idx="2">
+            <a:schemeClr val="accent1">
+              <a:shade val="50000"/>
+            </a:schemeClr>
+          </a:lnRef>
+          <a:fillRef idx="1">
+            <a:schemeClr val="accent1"/>
+          </a:fillRef>
+          <a:effectRef idx="0">
+            <a:schemeClr val="accent1"/>
+          </a:effectRef>
+          <a:fontRef idx="minor">
+            <a:schemeClr val="lt1"/>
+          </a:fontRef>
+        </p:style>
+        <p:txBody>
+          <a:bodyPr rtlCol="0" anchor="ctr"/>
+          <a:lstStyle/>
+          <a:p>
+            <a:pPr algn="ctr"/>
+            <a:endParaRPr lang="en-US"/>
+          </a:p>
+        </p:txBody>
+      </p:sp>
+      <p:sp>
+        <p:nvSpPr>
+          <p:cNvPr id="10" name="Rectangle 9">
+            <a:extLst>
+              <a:ext uri="{FF2B5EF4-FFF2-40B4-BE49-F238E27FC236}">
+                <a16:creationId xmlns:a16="http://schemas.microsoft.com/office/drawing/2014/main" id="{3B2E3793-BFE6-45A2-9B7B-E18844431C99}"/>
+              </a:ext>
+              <a:ext uri="{C183D7F6-B498-43B3-948B-1728B52AA6E4}">
+                <adec:decorative xmlns:adec="http://schemas.microsoft.com/office/drawing/2017/decorative" val="1"/>
+              </a:ext>
+            </a:extLst>
+          </p:cNvPr>
+          <p:cNvSpPr>
+            <a:spLocks noGrp="1" noRot="1" noChangeAspect="1" noMove="1" noResize="1" noEditPoints="1" noAdjustHandles="1" noChangeArrowheads="1" noChangeShapeType="1" noTextEdit="1"/>
+          </p:cNvSpPr>
+          <p:nvPr>
+            <p:extLst>
+              <p:ext uri="{386F3935-93C4-4BCD-93E2-E3B085C9AB24}">
+                <p16:designElem xmlns:p16="http://schemas.microsoft.com/office/powerpoint/2015/main" val="1"/>
+              </p:ext>
+            </p:extLst>
+          </p:nvPr>
+        </p:nvSpPr>
+        <p:spPr>
+          <a:xfrm flipH="1">
+            <a:off x="-1" y="-1"/>
+            <a:ext cx="12191998" cy="1590742"/>
+          </a:xfrm>
+          <a:prstGeom prst="rect">
+            <a:avLst/>
+          </a:prstGeom>
+          <a:gradFill>
+            <a:gsLst>
+              <a:gs pos="0">
+                <a:srgbClr val="000000"/>
+              </a:gs>
+              <a:gs pos="100000">
+                <a:schemeClr val="accent1">
+                  <a:lumMod val="75000"/>
+                </a:schemeClr>
+              </a:gs>
+            </a:gsLst>
+            <a:lin ang="8400000" scaled="0"/>
+          </a:gradFill>
+          <a:ln>
+            <a:noFill/>
+          </a:ln>
+        </p:spPr>
+        <p:style>
+          <a:lnRef idx="2">
+            <a:schemeClr val="accent1">
+              <a:shade val="50000"/>
+            </a:schemeClr>
+          </a:lnRef>
+          <a:fillRef idx="1">
+            <a:schemeClr val="accent1"/>
+          </a:fillRef>
+          <a:effectRef idx="0">
+            <a:schemeClr val="accent1"/>
+          </a:effectRef>
+          <a:fontRef idx="minor">
+            <a:schemeClr val="lt1"/>
+          </a:fontRef>
+        </p:style>
+        <p:txBody>
+          <a:bodyPr rtlCol="0" anchor="ctr"/>
+          <a:lstStyle/>
+          <a:p>
+            <a:pPr algn="ctr"/>
+            <a:endParaRPr lang="en-US"/>
+          </a:p>
+        </p:txBody>
+      </p:sp>
+      <p:sp>
+        <p:nvSpPr>
+          <p:cNvPr id="12" name="Rectangle 11">
+            <a:extLst>
+              <a:ext uri="{FF2B5EF4-FFF2-40B4-BE49-F238E27FC236}">
+                <a16:creationId xmlns:a16="http://schemas.microsoft.com/office/drawing/2014/main" id="{BC4C4868-CB8F-4AF9-9CDB-8108F2C19B67}"/>
+              </a:ext>
+              <a:ext uri="{C183D7F6-B498-43B3-948B-1728B52AA6E4}">
+                <adec:decorative xmlns:adec="http://schemas.microsoft.com/office/drawing/2017/decorative" val="1"/>
+              </a:ext>
+            </a:extLst>
+          </p:cNvPr>
+          <p:cNvSpPr>
+            <a:spLocks noGrp="1" noRot="1" noChangeAspect="1" noMove="1" noResize="1" noEditPoints="1" noAdjustHandles="1" noChangeArrowheads="1" noChangeShapeType="1" noTextEdit="1"/>
+          </p:cNvSpPr>
+          <p:nvPr>
+            <p:extLst>
+              <p:ext uri="{386F3935-93C4-4BCD-93E2-E3B085C9AB24}">
+                <p16:designElem xmlns:p16="http://schemas.microsoft.com/office/powerpoint/2015/main" val="1"/>
+              </p:ext>
+            </p:extLst>
+          </p:nvPr>
+        </p:nvSpPr>
+        <p:spPr>
+          <a:xfrm rot="10800000" flipH="1">
+            <a:off x="-3" y="0"/>
+            <a:ext cx="8115306" cy="1590742"/>
+          </a:xfrm>
+          <a:prstGeom prst="rect">
+            <a:avLst/>
+          </a:prstGeom>
+          <a:gradFill>
+            <a:gsLst>
+              <a:gs pos="20000">
+                <a:schemeClr val="accent1">
+                  <a:alpha val="0"/>
+                </a:schemeClr>
+              </a:gs>
+              <a:gs pos="100000">
+                <a:schemeClr val="accent1">
+                  <a:lumMod val="50000"/>
+                  <a:alpha val="55000"/>
+                </a:schemeClr>
+              </a:gs>
+            </a:gsLst>
+            <a:lin ang="13800000" scaled="0"/>
+          </a:gradFill>
+          <a:ln>
+            <a:noFill/>
+          </a:ln>
+        </p:spPr>
+        <p:style>
+          <a:lnRef idx="2">
+            <a:schemeClr val="accent1">
+              <a:shade val="50000"/>
+            </a:schemeClr>
+          </a:lnRef>
+          <a:fillRef idx="1">
+            <a:schemeClr val="accent1"/>
+          </a:fillRef>
+          <a:effectRef idx="0">
+            <a:schemeClr val="accent1"/>
+          </a:effectRef>
+          <a:fontRef idx="minor">
+            <a:schemeClr val="lt1"/>
+          </a:fontRef>
+        </p:style>
+        <p:txBody>
+          <a:bodyPr rtlCol="0" anchor="ctr"/>
+          <a:lstStyle/>
+          <a:p>
+            <a:pPr algn="ctr"/>
+            <a:endParaRPr lang="en-US"/>
+          </a:p>
+        </p:txBody>
+      </p:sp>
+      <p:sp>
+        <p:nvSpPr>
+          <p:cNvPr id="14" name="Rectangle 13">
+            <a:extLst>
+              <a:ext uri="{FF2B5EF4-FFF2-40B4-BE49-F238E27FC236}">
+                <a16:creationId xmlns:a16="http://schemas.microsoft.com/office/drawing/2014/main" id="{375E0459-6403-40CD-989D-56A4407CA12E}"/>
+              </a:ext>
+              <a:ext uri="{C183D7F6-B498-43B3-948B-1728B52AA6E4}">
+                <adec:decorative xmlns:adec="http://schemas.microsoft.com/office/drawing/2017/decorative" val="1"/>
+              </a:ext>
+            </a:extLst>
+          </p:cNvPr>
+          <p:cNvSpPr>
+            <a:spLocks noGrp="1" noRot="1" noChangeAspect="1" noMove="1" noResize="1" noEditPoints="1" noAdjustHandles="1" noChangeArrowheads="1" noChangeShapeType="1" noTextEdit="1"/>
+          </p:cNvSpPr>
+          <p:nvPr>
+            <p:extLst>
+              <p:ext uri="{386F3935-93C4-4BCD-93E2-E3B085C9AB24}">
+                <p16:designElem xmlns:p16="http://schemas.microsoft.com/office/powerpoint/2015/main" val="1"/>
+              </p:ext>
+            </p:extLst>
+          </p:nvPr>
+        </p:nvSpPr>
+        <p:spPr>
+          <a:xfrm flipH="1">
+            <a:off x="8115299" y="-1"/>
+            <a:ext cx="4076698" cy="1590742"/>
+          </a:xfrm>
+          <a:prstGeom prst="rect">
+            <a:avLst/>
+          </a:prstGeom>
+          <a:gradFill>
+            <a:gsLst>
+              <a:gs pos="0">
+                <a:schemeClr val="accent1">
+                  <a:alpha val="66000"/>
+                </a:schemeClr>
+              </a:gs>
+              <a:gs pos="100000">
+                <a:srgbClr val="000000">
+                  <a:alpha val="30000"/>
+                </a:srgbClr>
+              </a:gs>
+            </a:gsLst>
+            <a:lin ang="13200000" scaled="0"/>
+          </a:gradFill>
+          <a:ln>
+            <a:noFill/>
+          </a:ln>
+        </p:spPr>
+        <p:style>
+          <a:lnRef idx="2">
+            <a:schemeClr val="accent1">
+              <a:shade val="50000"/>
+            </a:schemeClr>
+          </a:lnRef>
+          <a:fillRef idx="1">
+            <a:schemeClr val="accent1"/>
+          </a:fillRef>
+          <a:effectRef idx="0">
+            <a:schemeClr val="accent1"/>
+          </a:effectRef>
+          <a:fontRef idx="minor">
+            <a:schemeClr val="lt1"/>
+          </a:fontRef>
+        </p:style>
+        <p:txBody>
+          <a:bodyPr rtlCol="0" anchor="ctr"/>
+          <a:lstStyle/>
+          <a:p>
+            <a:pPr algn="ctr"/>
+            <a:endParaRPr lang="en-US"/>
+          </a:p>
+        </p:txBody>
+      </p:sp>
+      <p:sp>
+        <p:nvSpPr>
+          <p:cNvPr id="16" name="Rectangle 15">
+            <a:extLst>
+              <a:ext uri="{FF2B5EF4-FFF2-40B4-BE49-F238E27FC236}">
+                <a16:creationId xmlns:a16="http://schemas.microsoft.com/office/drawing/2014/main" id="{53E5B1A8-3AC9-4BD1-9BBC-78CA94F2D1BA}"/>
+              </a:ext>
+              <a:ext uri="{C183D7F6-B498-43B3-948B-1728B52AA6E4}">
+                <adec:decorative xmlns:adec="http://schemas.microsoft.com/office/drawing/2017/decorative" val="1"/>
+              </a:ext>
+            </a:extLst>
+          </p:cNvPr>
+          <p:cNvSpPr>
+            <a:spLocks noGrp="1" noRot="1" noChangeAspect="1" noMove="1" noResize="1" noEditPoints="1" noAdjustHandles="1" noChangeArrowheads="1" noChangeShapeType="1" noTextEdit="1"/>
+          </p:cNvSpPr>
+          <p:nvPr>
+            <p:extLst>
+              <p:ext uri="{386F3935-93C4-4BCD-93E2-E3B085C9AB24}">
+                <p16:designElem xmlns:p16="http://schemas.microsoft.com/office/powerpoint/2015/main" val="1"/>
+              </p:ext>
+            </p:extLst>
+          </p:nvPr>
+        </p:nvSpPr>
+        <p:spPr>
+          <a:xfrm>
+            <a:off x="459350" y="-1"/>
+            <a:ext cx="11732646" cy="1597433"/>
+          </a:xfrm>
+          <a:prstGeom prst="rect">
+            <a:avLst/>
+          </a:prstGeom>
+          <a:gradFill>
+            <a:gsLst>
+              <a:gs pos="50000">
+                <a:srgbClr val="000000">
+                  <a:alpha val="0"/>
+                </a:srgbClr>
+              </a:gs>
+              <a:gs pos="99000">
+                <a:schemeClr val="accent1">
+                  <a:lumMod val="50000"/>
+                  <a:alpha val="52000"/>
+                </a:schemeClr>
+              </a:gs>
+            </a:gsLst>
+            <a:lin ang="16800000" scaled="0"/>
+          </a:gradFill>
+          <a:ln>
+            <a:noFill/>
+          </a:ln>
+        </p:spPr>
+        <p:style>
+          <a:lnRef idx="2">
+            <a:schemeClr val="accent1">
+              <a:shade val="50000"/>
+            </a:schemeClr>
+          </a:lnRef>
+          <a:fillRef idx="1">
+            <a:schemeClr val="accent1"/>
+          </a:fillRef>
+          <a:effectRef idx="0">
+            <a:schemeClr val="accent1"/>
+          </a:effectRef>
+          <a:fontRef idx="minor">
+            <a:schemeClr val="lt1"/>
+          </a:fontRef>
+        </p:style>
+        <p:txBody>
+          <a:bodyPr rtlCol="0" anchor="ctr"/>
+          <a:lstStyle/>
+          <a:p>
+            <a:pPr algn="ctr"/>
+            <a:endParaRPr lang="en-US"/>
+          </a:p>
+        </p:txBody>
+      </p:sp>
+      <p:sp>
+        <p:nvSpPr>
+          <p:cNvPr id="2" name="Title 1">
+            <a:extLst>
+              <a:ext uri="{FF2B5EF4-FFF2-40B4-BE49-F238E27FC236}">
+                <a16:creationId xmlns:a16="http://schemas.microsoft.com/office/drawing/2014/main" id="{10B263CB-B37F-5195-5B34-026CD3808798}"/>
+              </a:ext>
+            </a:extLst>
+          </p:cNvPr>
+          <p:cNvSpPr>
+            <a:spLocks noGrp="1"/>
+          </p:cNvSpPr>
+          <p:nvPr>
+            <p:ph type="title"/>
+          </p:nvPr>
+        </p:nvSpPr>
+        <p:spPr>
+          <a:xfrm>
+            <a:off x="1371599" y="294538"/>
+            <a:ext cx="9895951" cy="1033669"/>
+          </a:xfrm>
+        </p:spPr>
+        <p:txBody>
+          <a:bodyPr>
+            <a:normAutofit/>
+          </a:bodyPr>
+          <a:lstStyle/>
+          <a:p>
+            <a:r>
+              <a:rPr lang="en-RU" sz="4000">
+                <a:solidFill>
+                  <a:srgbClr val="FFFFFF"/>
+                </a:solidFill>
+              </a:rPr>
+              <a:t>Literatura</a:t>
+            </a:r>
+          </a:p>
+        </p:txBody>
+      </p:sp>
+      <p:sp>
+        <p:nvSpPr>
+          <p:cNvPr id="3" name="Content Placeholder 2">
+            <a:extLst>
+              <a:ext uri="{FF2B5EF4-FFF2-40B4-BE49-F238E27FC236}">
+                <a16:creationId xmlns:a16="http://schemas.microsoft.com/office/drawing/2014/main" id="{16DE915F-F4A8-A682-FBCC-4135D7AA65FF}"/>
+              </a:ext>
+            </a:extLst>
+          </p:cNvPr>
+          <p:cNvSpPr>
+            <a:spLocks noGrp="1"/>
+          </p:cNvSpPr>
+          <p:nvPr>
+            <p:ph idx="1"/>
+          </p:nvPr>
+        </p:nvSpPr>
+        <p:spPr>
+          <a:xfrm>
+            <a:off x="1371599" y="2318197"/>
+            <a:ext cx="9724031" cy="1110803"/>
+          </a:xfrm>
+        </p:spPr>
+        <p:txBody>
+          <a:bodyPr anchor="ctr">
+            <a:normAutofit fontScale="25000" lnSpcReduction="20000"/>
+          </a:bodyPr>
+          <a:lstStyle/>
+          <a:p>
+            <a:pPr marL="0" indent="0">
+              <a:buNone/>
+            </a:pPr>
+            <a:r>
+              <a:rPr lang="en-GB" sz="7000" dirty="0">
+                <a:effectLst/>
+                <a:latin typeface=".SF NS"/>
+              </a:rPr>
+              <a:t>Demir, B., Tian, L., Greer, H., </a:t>
+            </a:r>
+            <a:r>
+              <a:rPr lang="en-GB" sz="7000" dirty="0" err="1">
+                <a:effectLst/>
+                <a:latin typeface=".SF NS"/>
+              </a:rPr>
+              <a:t>Kwitt</a:t>
+            </a:r>
+            <a:r>
+              <a:rPr lang="en-GB" sz="7000" dirty="0">
+                <a:effectLst/>
+                <a:latin typeface=".SF NS"/>
+              </a:rPr>
+              <a:t>, R., </a:t>
+            </a:r>
+            <a:r>
+              <a:rPr lang="en-GB" sz="7000" dirty="0" err="1">
+                <a:effectLst/>
+                <a:latin typeface=".SF NS"/>
+              </a:rPr>
+              <a:t>Vialard</a:t>
+            </a:r>
+            <a:r>
+              <a:rPr lang="en-GB" sz="7000" dirty="0">
+                <a:effectLst/>
+                <a:latin typeface=".SF NS"/>
+              </a:rPr>
+              <a:t>, F.-X., San José </a:t>
+            </a:r>
+            <a:r>
+              <a:rPr lang="en-GB" sz="7000" dirty="0" err="1">
+                <a:effectLst/>
+                <a:latin typeface=".SF NS"/>
+              </a:rPr>
+              <a:t>Estépar</a:t>
+            </a:r>
+            <a:r>
+              <a:rPr lang="en-GB" sz="7000" dirty="0">
+                <a:effectLst/>
+                <a:latin typeface=".SF NS"/>
+              </a:rPr>
+              <a:t>, R., </a:t>
+            </a:r>
+            <a:r>
+              <a:rPr lang="en-GB" sz="7000" dirty="0" err="1">
+                <a:effectLst/>
+                <a:latin typeface=".SF NS"/>
+              </a:rPr>
+              <a:t>Bouix</a:t>
+            </a:r>
+            <a:r>
+              <a:rPr lang="en-GB" sz="7000" dirty="0">
+                <a:effectLst/>
+                <a:latin typeface=".SF NS"/>
+              </a:rPr>
+              <a:t>, S., Rushmore, R., Ebrahim, E., &amp; </a:t>
+            </a:r>
+            <a:r>
+              <a:rPr lang="en-GB" sz="7000" dirty="0" err="1">
+                <a:effectLst/>
+                <a:latin typeface=".SF NS"/>
+              </a:rPr>
+              <a:t>Niethammer</a:t>
+            </a:r>
+            <a:r>
+              <a:rPr lang="en-GB" sz="7000" dirty="0">
+                <a:effectLst/>
+                <a:latin typeface=".SF NS"/>
+              </a:rPr>
+              <a:t>, M. (2024). </a:t>
+            </a:r>
+            <a:r>
+              <a:rPr lang="en-GB" sz="7000" i="1" dirty="0" err="1">
+                <a:effectLst/>
+                <a:latin typeface=".SF NS"/>
+              </a:rPr>
+              <a:t>multiGradICON</a:t>
+            </a:r>
+            <a:r>
+              <a:rPr lang="en-GB" sz="7000" i="1" dirty="0">
+                <a:effectLst/>
+                <a:latin typeface=".SF NS"/>
+              </a:rPr>
+              <a:t>: A Foundation Model for Multimodal Medical Image Registration</a:t>
+            </a:r>
+            <a:r>
+              <a:rPr lang="en-GB" sz="7000" dirty="0">
+                <a:effectLst/>
+                <a:latin typeface=".SF NS"/>
+              </a:rPr>
+              <a:t>. University of North Carolina at Chapel Hill.</a:t>
+            </a:r>
+          </a:p>
+          <a:p>
+            <a:pPr marL="0" indent="0">
+              <a:buNone/>
+            </a:pPr>
+            <a:endParaRPr lang="en-GB" sz="7000" dirty="0">
+              <a:latin typeface=".SF NS"/>
+            </a:endParaRPr>
+          </a:p>
+          <a:p>
+            <a:pPr marL="0" indent="0">
+              <a:buNone/>
+            </a:pPr>
+            <a:r>
+              <a:rPr lang="en-GB" sz="7000" dirty="0">
+                <a:effectLst/>
+                <a:latin typeface="SFRM0900"/>
+              </a:rPr>
+              <a:t>Tian, L., Greer, H., </a:t>
+            </a:r>
+            <a:r>
+              <a:rPr lang="en-GB" sz="7000" dirty="0" err="1">
+                <a:effectLst/>
+                <a:latin typeface="SFRM0900"/>
+              </a:rPr>
+              <a:t>Kwitt</a:t>
+            </a:r>
+            <a:r>
+              <a:rPr lang="en-GB" sz="7000" dirty="0">
+                <a:effectLst/>
+                <a:latin typeface="SFRM0900"/>
+              </a:rPr>
+              <a:t>, R., </a:t>
+            </a:r>
+            <a:r>
+              <a:rPr lang="en-GB" sz="7000" dirty="0" err="1">
+                <a:effectLst/>
+                <a:latin typeface="SFRM0900"/>
+              </a:rPr>
+              <a:t>Vialard</a:t>
+            </a:r>
+            <a:r>
+              <a:rPr lang="en-GB" sz="7000" dirty="0">
+                <a:effectLst/>
+                <a:latin typeface="SFRM0900"/>
+              </a:rPr>
+              <a:t>, F.X., </a:t>
+            </a:r>
+            <a:r>
+              <a:rPr lang="en-GB" sz="7000" dirty="0" err="1">
+                <a:effectLst/>
+                <a:latin typeface="SFRM0900"/>
+              </a:rPr>
+              <a:t>Estepar</a:t>
+            </a:r>
+            <a:r>
+              <a:rPr lang="en-GB" sz="7000" dirty="0">
+                <a:effectLst/>
+                <a:latin typeface="SFRM0900"/>
+              </a:rPr>
+              <a:t>, R.S.J., </a:t>
+            </a:r>
+            <a:r>
+              <a:rPr lang="en-GB" sz="7000" dirty="0" err="1">
+                <a:effectLst/>
+                <a:latin typeface="SFRM0900"/>
+              </a:rPr>
+              <a:t>Bouix</a:t>
+            </a:r>
+            <a:r>
+              <a:rPr lang="en-GB" sz="7000" dirty="0">
+                <a:effectLst/>
+                <a:latin typeface="SFRM0900"/>
+              </a:rPr>
+              <a:t>, S., Rushmore, R., </a:t>
+            </a:r>
+            <a:r>
+              <a:rPr lang="en-GB" sz="7000" dirty="0" err="1">
+                <a:effectLst/>
+                <a:latin typeface="SFRM0900"/>
+              </a:rPr>
+              <a:t>Niethammer</a:t>
+            </a:r>
+            <a:r>
+              <a:rPr lang="en-GB" sz="7000" dirty="0">
+                <a:effectLst/>
+                <a:latin typeface="SFRM0900"/>
+              </a:rPr>
+              <a:t>, M. (2024). </a:t>
+            </a:r>
+            <a:r>
+              <a:rPr lang="en-GB" sz="7000" i="1" dirty="0" err="1">
+                <a:effectLst/>
+                <a:latin typeface="SFRM0900"/>
+              </a:rPr>
+              <a:t>uniGradICON</a:t>
+            </a:r>
+            <a:r>
+              <a:rPr lang="en-GB" sz="7000" i="1" dirty="0">
+                <a:effectLst/>
+                <a:latin typeface="SFRM0900"/>
+              </a:rPr>
+              <a:t>: A foundation model for medical image registration</a:t>
+            </a:r>
+            <a:r>
+              <a:rPr lang="en-GB" sz="7000" dirty="0">
+                <a:effectLst/>
+                <a:latin typeface="SFRM0900"/>
+              </a:rPr>
+              <a:t>. arXiv:2403.05780</a:t>
+            </a:r>
+            <a:endParaRPr lang="en-GB" sz="2000" dirty="0">
+              <a:effectLst/>
+              <a:latin typeface=".SF NS"/>
+            </a:endParaRPr>
+          </a:p>
+          <a:p>
+            <a:endParaRPr lang="en-RU" sz="2000" dirty="0"/>
+          </a:p>
+          <a:p>
+            <a:pPr marL="0" indent="0">
+              <a:buNone/>
+            </a:pPr>
+            <a:endParaRPr lang="en-RU" sz="2000" dirty="0"/>
+          </a:p>
+        </p:txBody>
+      </p:sp>
+    </p:spTree>
+    <p:extLst>
+      <p:ext uri="{BB962C8B-B14F-4D97-AF65-F5344CB8AC3E}">
+        <p14:creationId xmlns:p14="http://schemas.microsoft.com/office/powerpoint/2010/main" val="3390251000"/>
       </p:ext>
     </p:extLst>
   </p:cSld>
